--- a/exercises/assignments/randomText/tree.pptx
+++ b/exercises/assignments/randomText/tree.pptx
@@ -5,11 +5,10 @@
     <p:sldMasterId id="2147483648" r:id="rId1"/>
   </p:sldMasterIdLst>
   <p:notesMasterIdLst>
-    <p:notesMasterId r:id="rId4"/>
+    <p:notesMasterId r:id="rId3"/>
   </p:notesMasterIdLst>
   <p:sldIdLst>
-    <p:sldId id="256" r:id="rId2"/>
-    <p:sldId id="257" r:id="rId3"/>
+    <p:sldId id="257" r:id="rId2"/>
   </p:sldIdLst>
   <p:sldSz cx="12192000" cy="6858000"/>
   <p:notesSz cx="6858000" cy="9144000"/>
@@ -108,6 +107,11 @@
       </a:defRPr>
     </a:lvl9pPr>
   </p:defaultTextStyle>
+  <p:extLst>
+    <p:ext uri="{EFAFB233-063F-42B5-8137-9DF3F51BA10A}">
+      <p15:sldGuideLst xmlns:p15="http://schemas.microsoft.com/office/powerpoint/2012/main"/>
+    </p:ext>
+  </p:extLst>
 </p:presentation>
 </file>
 
@@ -4034,90 +4038,6 @@
 </p:notesMaster>
 </file>
 
-<file path=ppt/notesSlides/notesSlide1.xml><?xml version="1.0" encoding="utf-8"?>
-<p:notes xmlns:a="http://schemas.openxmlformats.org/drawingml/2006/main" xmlns:r="http://schemas.openxmlformats.org/officeDocument/2006/relationships" xmlns:p="http://schemas.openxmlformats.org/presentationml/2006/main">
-  <p:cSld>
-    <p:spTree>
-      <p:nvGrpSpPr>
-        <p:cNvPr id="1" name=""/>
-        <p:cNvGrpSpPr/>
-        <p:nvPr/>
-      </p:nvGrpSpPr>
-      <p:grpSpPr>
-        <a:xfrm>
-          <a:off x="0" y="0"/>
-          <a:ext cx="0" cy="0"/>
-          <a:chOff x="0" y="0"/>
-          <a:chExt cx="0" cy="0"/>
-        </a:xfrm>
-      </p:grpSpPr>
-      <p:sp>
-        <p:nvSpPr>
-          <p:cNvPr id="2" name="Slide Image Placeholder 1"/>
-          <p:cNvSpPr>
-            <a:spLocks noGrp="1" noRot="1" noChangeAspect="1"/>
-          </p:cNvSpPr>
-          <p:nvPr>
-            <p:ph type="sldImg"/>
-          </p:nvPr>
-        </p:nvSpPr>
-        <p:spPr/>
-      </p:sp>
-      <p:sp>
-        <p:nvSpPr>
-          <p:cNvPr id="3" name="Notes Placeholder 2"/>
-          <p:cNvSpPr>
-            <a:spLocks noGrp="1"/>
-          </p:cNvSpPr>
-          <p:nvPr>
-            <p:ph type="body" idx="1"/>
-          </p:nvPr>
-        </p:nvSpPr>
-        <p:spPr/>
-        <p:txBody>
-          <a:bodyPr/>
-          <a:lstStyle/>
-          <a:p>
-            <a:endParaRPr lang="en-GB" dirty="0"/>
-          </a:p>
-        </p:txBody>
-      </p:sp>
-      <p:sp>
-        <p:nvSpPr>
-          <p:cNvPr id="4" name="Slide Number Placeholder 3"/>
-          <p:cNvSpPr>
-            <a:spLocks noGrp="1"/>
-          </p:cNvSpPr>
-          <p:nvPr>
-            <p:ph type="sldNum" sz="quarter" idx="5"/>
-          </p:nvPr>
-        </p:nvSpPr>
-        <p:spPr/>
-        <p:txBody>
-          <a:bodyPr/>
-          <a:lstStyle/>
-          <a:p>
-            <a:fld id="{D0235E1E-61D0-C244-8044-D9B845D4A88B}" type="slidenum">
-              <a:rPr lang="en-GB" smtClean="0"/>
-              <a:t>1</a:t>
-            </a:fld>
-            <a:endParaRPr lang="en-GB"/>
-          </a:p>
-        </p:txBody>
-      </p:sp>
-    </p:spTree>
-    <p:extLst>
-      <p:ext uri="{BB962C8B-B14F-4D97-AF65-F5344CB8AC3E}">
-        <p14:creationId xmlns:p14="http://schemas.microsoft.com/office/powerpoint/2010/main" val="602738822"/>
-      </p:ext>
-    </p:extLst>
-  </p:cSld>
-  <p:clrMapOvr>
-    <a:masterClrMapping/>
-  </p:clrMapOvr>
-</p:notes>
-</file>
-
 <file path=ppt/slideLayouts/slideLayout1.xml><?xml version="1.0" encoding="utf-8"?>
 <p:sldLayout xmlns:a="http://schemas.openxmlformats.org/drawingml/2006/main" xmlns:r="http://schemas.openxmlformats.org/officeDocument/2006/relationships" xmlns:p="http://schemas.openxmlformats.org/presentationml/2006/main" type="title" preserve="1">
   <p:cSld name="Title Slide">
@@ -7316,941 +7236,6 @@
 </file>
 
 <file path=ppt/slides/slide1.xml><?xml version="1.0" encoding="utf-8"?>
-<p:sld xmlns:a="http://schemas.openxmlformats.org/drawingml/2006/main" xmlns:r="http://schemas.openxmlformats.org/officeDocument/2006/relationships" xmlns:p="http://schemas.openxmlformats.org/presentationml/2006/main">
-  <p:cSld>
-    <p:spTree>
-      <p:nvGrpSpPr>
-        <p:cNvPr id="1" name=""/>
-        <p:cNvGrpSpPr/>
-        <p:nvPr/>
-      </p:nvGrpSpPr>
-      <p:grpSpPr>
-        <a:xfrm>
-          <a:off x="0" y="0"/>
-          <a:ext cx="0" cy="0"/>
-          <a:chOff x="0" y="0"/>
-          <a:chExt cx="0" cy="0"/>
-        </a:xfrm>
-      </p:grpSpPr>
-      <p:grpSp>
-        <p:nvGrpSpPr>
-          <p:cNvPr id="84" name="Group 83">
-            <a:extLst>
-              <a:ext uri="{FF2B5EF4-FFF2-40B4-BE49-F238E27FC236}">
-                <a16:creationId xmlns:a16="http://schemas.microsoft.com/office/drawing/2014/main" id="{01FA528C-D932-F94F-8D5E-F7A8FB12502F}"/>
-              </a:ext>
-            </a:extLst>
-          </p:cNvPr>
-          <p:cNvGrpSpPr>
-            <a:grpSpLocks noChangeAspect="1"/>
-          </p:cNvGrpSpPr>
-          <p:nvPr/>
-        </p:nvGrpSpPr>
-        <p:grpSpPr>
-          <a:xfrm>
-            <a:off x="358512" y="491273"/>
-            <a:ext cx="11474976" cy="3096000"/>
-            <a:chOff x="29648" y="268851"/>
-            <a:chExt cx="13038305" cy="3517793"/>
-          </a:xfrm>
-        </p:grpSpPr>
-        <p:sp>
-          <p:nvSpPr>
-            <p:cNvPr id="48" name="Oval 47">
-              <a:extLst>
-                <a:ext uri="{FF2B5EF4-FFF2-40B4-BE49-F238E27FC236}">
-                  <a16:creationId xmlns:a16="http://schemas.microsoft.com/office/drawing/2014/main" id="{E6E8636E-B9A3-3E49-BF46-B47FB0D25EDA}"/>
-                </a:ext>
-              </a:extLst>
-            </p:cNvPr>
-            <p:cNvSpPr/>
-            <p:nvPr/>
-          </p:nvSpPr>
-          <p:spPr>
-            <a:xfrm>
-              <a:off x="4120056" y="268851"/>
-              <a:ext cx="3969364" cy="902947"/>
-            </a:xfrm>
-            <a:prstGeom prst="ellipse">
-              <a:avLst/>
-            </a:prstGeom>
-          </p:spPr>
-          <p:style>
-            <a:lnRef idx="2">
-              <a:schemeClr val="accent1">
-                <a:shade val="50000"/>
-              </a:schemeClr>
-            </a:lnRef>
-            <a:fillRef idx="1">
-              <a:schemeClr val="accent1"/>
-            </a:fillRef>
-            <a:effectRef idx="0">
-              <a:schemeClr val="accent1"/>
-            </a:effectRef>
-            <a:fontRef idx="minor">
-              <a:schemeClr val="lt1"/>
-            </a:fontRef>
-          </p:style>
-          <p:txBody>
-            <a:bodyPr rtlCol="0" anchor="ctr"/>
-            <a:lstStyle/>
-            <a:p>
-              <a:pPr algn="ctr"/>
-              <a:r>
-                <a:rPr lang="en-GB" sz="1600" dirty="0"/>
-                <a:t>[‘a’*</a:t>
-              </a:r>
-              <a:r>
-                <a:rPr lang="en-GB" sz="1600" dirty="0" err="1"/>
-                <a:t>n</a:t>
-              </a:r>
-              <a:r>
-                <a:rPr lang="en-GB" sz="1600" baseline="-25000" dirty="0" err="1"/>
-                <a:t>a</a:t>
-              </a:r>
-              <a:r>
-                <a:rPr lang="en-GB" sz="1600" dirty="0"/>
-                <a:t>* </a:t>
-              </a:r>
-              <a:r>
-                <a:rPr lang="en-GB" sz="1600" dirty="0" err="1"/>
-                <a:t>lst</a:t>
-              </a:r>
-              <a:r>
-                <a:rPr lang="en-GB" sz="1600" baseline="-25000" dirty="0" err="1"/>
-                <a:t>a</a:t>
-              </a:r>
-              <a:r>
-                <a:rPr lang="en-GB" sz="1600" dirty="0"/>
-                <a:t>; ‘b’*</a:t>
-              </a:r>
-              <a:r>
-                <a:rPr lang="en-GB" sz="1600" dirty="0" err="1"/>
-                <a:t>n</a:t>
-              </a:r>
-              <a:r>
-                <a:rPr lang="en-GB" sz="1600" baseline="-25000" dirty="0" err="1"/>
-                <a:t>b</a:t>
-              </a:r>
-              <a:r>
-                <a:rPr lang="en-GB" sz="1600" dirty="0"/>
-                <a:t>* </a:t>
-              </a:r>
-              <a:r>
-                <a:rPr lang="en-GB" sz="1600" dirty="0" err="1"/>
-                <a:t>lst</a:t>
-              </a:r>
-              <a:r>
-                <a:rPr lang="en-GB" sz="1600" baseline="-25000" dirty="0" err="1"/>
-                <a:t>b</a:t>
-              </a:r>
-              <a:r>
-                <a:rPr lang="en-GB" sz="1600" dirty="0"/>
-                <a:t>; …]</a:t>
-              </a:r>
-            </a:p>
-          </p:txBody>
-        </p:sp>
-        <p:cxnSp>
-          <p:nvCxnSpPr>
-            <p:cNvPr id="69" name="Straight Connector 68">
-              <a:extLst>
-                <a:ext uri="{FF2B5EF4-FFF2-40B4-BE49-F238E27FC236}">
-                  <a16:creationId xmlns:a16="http://schemas.microsoft.com/office/drawing/2014/main" id="{CFA87C9A-9255-8544-88E7-C8A86B3C663A}"/>
-                </a:ext>
-              </a:extLst>
-            </p:cNvPr>
-            <p:cNvCxnSpPr>
-              <a:cxnSpLocks/>
-              <a:endCxn id="70" idx="0"/>
-            </p:cNvCxnSpPr>
-            <p:nvPr/>
-          </p:nvCxnSpPr>
-          <p:spPr>
-            <a:xfrm flipH="1">
-              <a:off x="2902455" y="882869"/>
-              <a:ext cx="3990732" cy="1704461"/>
-            </a:xfrm>
-            <a:prstGeom prst="line">
-              <a:avLst/>
-            </a:prstGeom>
-            <a:ln>
-              <a:solidFill>
-                <a:schemeClr val="bg2">
-                  <a:lumMod val="50000"/>
-                </a:schemeClr>
-              </a:solidFill>
-            </a:ln>
-          </p:spPr>
-          <p:style>
-            <a:lnRef idx="1">
-              <a:schemeClr val="accent1"/>
-            </a:lnRef>
-            <a:fillRef idx="0">
-              <a:schemeClr val="accent1"/>
-            </a:fillRef>
-            <a:effectRef idx="0">
-              <a:schemeClr val="accent1"/>
-            </a:effectRef>
-            <a:fontRef idx="minor">
-              <a:schemeClr val="tx1"/>
-            </a:fontRef>
-          </p:style>
-        </p:cxnSp>
-        <p:sp>
-          <p:nvSpPr>
-            <p:cNvPr id="70" name="Oval 69">
-              <a:extLst>
-                <a:ext uri="{FF2B5EF4-FFF2-40B4-BE49-F238E27FC236}">
-                  <a16:creationId xmlns:a16="http://schemas.microsoft.com/office/drawing/2014/main" id="{0ACACE49-AF9C-6C49-9246-A416EA73A3C1}"/>
-                </a:ext>
-              </a:extLst>
-            </p:cNvPr>
-            <p:cNvSpPr/>
-            <p:nvPr/>
-          </p:nvSpPr>
-          <p:spPr>
-            <a:xfrm>
-              <a:off x="917773" y="2587330"/>
-              <a:ext cx="3969364" cy="902947"/>
-            </a:xfrm>
-            <a:prstGeom prst="ellipse">
-              <a:avLst/>
-            </a:prstGeom>
-          </p:spPr>
-          <p:style>
-            <a:lnRef idx="3">
-              <a:schemeClr val="lt1"/>
-            </a:lnRef>
-            <a:fillRef idx="1">
-              <a:schemeClr val="accent5"/>
-            </a:fillRef>
-            <a:effectRef idx="1">
-              <a:schemeClr val="accent5"/>
-            </a:effectRef>
-            <a:fontRef idx="minor">
-              <a:schemeClr val="lt1"/>
-            </a:fontRef>
-          </p:style>
-          <p:txBody>
-            <a:bodyPr rtlCol="0" anchor="ctr"/>
-            <a:lstStyle/>
-            <a:p>
-              <a:pPr algn="ctr"/>
-              <a:r>
-                <a:rPr lang="en-GB" sz="1600" dirty="0"/>
-                <a:t>[‘a’*</a:t>
-              </a:r>
-              <a:r>
-                <a:rPr lang="en-GB" sz="1600" dirty="0" err="1"/>
-                <a:t>n</a:t>
-              </a:r>
-              <a:r>
-                <a:rPr lang="en-GB" sz="1600" baseline="-25000" dirty="0" err="1"/>
-                <a:t>a</a:t>
-              </a:r>
-              <a:r>
-                <a:rPr lang="en-GB" sz="1600" dirty="0"/>
-                <a:t>* </a:t>
-              </a:r>
-              <a:r>
-                <a:rPr lang="en-GB" sz="1600" dirty="0" err="1"/>
-                <a:t>lst</a:t>
-              </a:r>
-              <a:r>
-                <a:rPr lang="en-GB" sz="1600" baseline="-25000" dirty="0" err="1"/>
-                <a:t>a</a:t>
-              </a:r>
-              <a:r>
-                <a:rPr lang="en-GB" sz="1600" dirty="0"/>
-                <a:t>; ‘b’*</a:t>
-              </a:r>
-              <a:r>
-                <a:rPr lang="en-GB" sz="1600" dirty="0" err="1"/>
-                <a:t>n</a:t>
-              </a:r>
-              <a:r>
-                <a:rPr lang="en-GB" sz="1600" baseline="-25000" dirty="0" err="1"/>
-                <a:t>b</a:t>
-              </a:r>
-              <a:r>
-                <a:rPr lang="en-GB" sz="1600" dirty="0"/>
-                <a:t>* </a:t>
-              </a:r>
-              <a:r>
-                <a:rPr lang="en-GB" sz="1600" dirty="0" err="1"/>
-                <a:t>lst</a:t>
-              </a:r>
-              <a:r>
-                <a:rPr lang="en-GB" sz="1600" baseline="-25000" dirty="0" err="1"/>
-                <a:t>b</a:t>
-              </a:r>
-              <a:r>
-                <a:rPr lang="en-GB" sz="1600" dirty="0"/>
-                <a:t>; …]</a:t>
-              </a:r>
-            </a:p>
-          </p:txBody>
-        </p:sp>
-        <p:sp>
-          <p:nvSpPr>
-            <p:cNvPr id="71" name="Oval 70">
-              <a:extLst>
-                <a:ext uri="{FF2B5EF4-FFF2-40B4-BE49-F238E27FC236}">
-                  <a16:creationId xmlns:a16="http://schemas.microsoft.com/office/drawing/2014/main" id="{DD1149CD-88BB-824E-AC68-947323E90CFC}"/>
-                </a:ext>
-              </a:extLst>
-            </p:cNvPr>
-            <p:cNvSpPr/>
-            <p:nvPr/>
-          </p:nvSpPr>
-          <p:spPr>
-            <a:xfrm>
-              <a:off x="5008181" y="2570356"/>
-              <a:ext cx="3969364" cy="902947"/>
-            </a:xfrm>
-            <a:prstGeom prst="ellipse">
-              <a:avLst/>
-            </a:prstGeom>
-          </p:spPr>
-          <p:style>
-            <a:lnRef idx="3">
-              <a:schemeClr val="lt1"/>
-            </a:lnRef>
-            <a:fillRef idx="1">
-              <a:schemeClr val="accent5"/>
-            </a:fillRef>
-            <a:effectRef idx="1">
-              <a:schemeClr val="accent5"/>
-            </a:effectRef>
-            <a:fontRef idx="minor">
-              <a:schemeClr val="lt1"/>
-            </a:fontRef>
-          </p:style>
-          <p:txBody>
-            <a:bodyPr rtlCol="0" anchor="ctr"/>
-            <a:lstStyle/>
-            <a:p>
-              <a:pPr algn="ctr"/>
-              <a:r>
-                <a:rPr lang="en-GB" sz="1600" dirty="0"/>
-                <a:t>[‘a’*</a:t>
-              </a:r>
-              <a:r>
-                <a:rPr lang="en-GB" sz="1600" dirty="0" err="1"/>
-                <a:t>n</a:t>
-              </a:r>
-              <a:r>
-                <a:rPr lang="en-GB" sz="1600" baseline="-25000" dirty="0" err="1"/>
-                <a:t>a</a:t>
-              </a:r>
-              <a:r>
-                <a:rPr lang="en-GB" sz="1600" dirty="0"/>
-                <a:t>* </a:t>
-              </a:r>
-              <a:r>
-                <a:rPr lang="en-GB" sz="1600" dirty="0" err="1"/>
-                <a:t>lst</a:t>
-              </a:r>
-              <a:r>
-                <a:rPr lang="en-GB" sz="1600" baseline="-25000" dirty="0" err="1"/>
-                <a:t>a</a:t>
-              </a:r>
-              <a:r>
-                <a:rPr lang="en-GB" sz="1600" dirty="0"/>
-                <a:t>; ‘b’*</a:t>
-              </a:r>
-              <a:r>
-                <a:rPr lang="en-GB" sz="1600" dirty="0" err="1"/>
-                <a:t>n</a:t>
-              </a:r>
-              <a:r>
-                <a:rPr lang="en-GB" sz="1600" baseline="-25000" dirty="0" err="1"/>
-                <a:t>b</a:t>
-              </a:r>
-              <a:r>
-                <a:rPr lang="en-GB" sz="1600" dirty="0"/>
-                <a:t>* </a:t>
-              </a:r>
-              <a:r>
-                <a:rPr lang="en-GB" sz="1600" dirty="0" err="1"/>
-                <a:t>lst</a:t>
-              </a:r>
-              <a:r>
-                <a:rPr lang="en-GB" sz="1600" baseline="-25000" dirty="0" err="1"/>
-                <a:t>b</a:t>
-              </a:r>
-              <a:r>
-                <a:rPr lang="en-GB" sz="1600" dirty="0"/>
-                <a:t>; …]</a:t>
-              </a:r>
-            </a:p>
-          </p:txBody>
-        </p:sp>
-        <p:sp>
-          <p:nvSpPr>
-            <p:cNvPr id="72" name="Oval 71">
-              <a:extLst>
-                <a:ext uri="{FF2B5EF4-FFF2-40B4-BE49-F238E27FC236}">
-                  <a16:creationId xmlns:a16="http://schemas.microsoft.com/office/drawing/2014/main" id="{277987F7-B35C-EB4B-A600-1BAB5B5EBA0E}"/>
-                </a:ext>
-              </a:extLst>
-            </p:cNvPr>
-            <p:cNvSpPr/>
-            <p:nvPr/>
-          </p:nvSpPr>
-          <p:spPr>
-            <a:xfrm>
-              <a:off x="9098589" y="2514281"/>
-              <a:ext cx="3969364" cy="902947"/>
-            </a:xfrm>
-            <a:prstGeom prst="ellipse">
-              <a:avLst/>
-            </a:prstGeom>
-          </p:spPr>
-          <p:style>
-            <a:lnRef idx="3">
-              <a:schemeClr val="lt1"/>
-            </a:lnRef>
-            <a:fillRef idx="1">
-              <a:schemeClr val="accent5"/>
-            </a:fillRef>
-            <a:effectRef idx="1">
-              <a:schemeClr val="accent5"/>
-            </a:effectRef>
-            <a:fontRef idx="minor">
-              <a:schemeClr val="lt1"/>
-            </a:fontRef>
-          </p:style>
-          <p:txBody>
-            <a:bodyPr rtlCol="0" anchor="ctr"/>
-            <a:lstStyle/>
-            <a:p>
-              <a:pPr algn="ctr"/>
-              <a:r>
-                <a:rPr lang="en-GB" sz="1600" dirty="0"/>
-                <a:t>…</a:t>
-              </a:r>
-            </a:p>
-          </p:txBody>
-        </p:sp>
-        <p:cxnSp>
-          <p:nvCxnSpPr>
-            <p:cNvPr id="73" name="Straight Connector 72">
-              <a:extLst>
-                <a:ext uri="{FF2B5EF4-FFF2-40B4-BE49-F238E27FC236}">
-                  <a16:creationId xmlns:a16="http://schemas.microsoft.com/office/drawing/2014/main" id="{0086DB59-F4BA-3148-B4EC-5097D527765E}"/>
-                </a:ext>
-              </a:extLst>
-            </p:cNvPr>
-            <p:cNvCxnSpPr>
-              <a:cxnSpLocks/>
-              <a:endCxn id="71" idx="0"/>
-            </p:cNvCxnSpPr>
-            <p:nvPr/>
-          </p:nvCxnSpPr>
-          <p:spPr>
-            <a:xfrm>
-              <a:off x="6893187" y="882869"/>
-              <a:ext cx="99676" cy="1687487"/>
-            </a:xfrm>
-            <a:prstGeom prst="line">
-              <a:avLst/>
-            </a:prstGeom>
-            <a:ln>
-              <a:solidFill>
-                <a:schemeClr val="bg2">
-                  <a:lumMod val="50000"/>
-                </a:schemeClr>
-              </a:solidFill>
-            </a:ln>
-          </p:spPr>
-          <p:style>
-            <a:lnRef idx="1">
-              <a:schemeClr val="accent1"/>
-            </a:lnRef>
-            <a:fillRef idx="0">
-              <a:schemeClr val="accent1"/>
-            </a:fillRef>
-            <a:effectRef idx="0">
-              <a:schemeClr val="accent1"/>
-            </a:effectRef>
-            <a:fontRef idx="minor">
-              <a:schemeClr val="tx1"/>
-            </a:fontRef>
-          </p:style>
-        </p:cxnSp>
-        <p:cxnSp>
-          <p:nvCxnSpPr>
-            <p:cNvPr id="74" name="Straight Connector 73">
-              <a:extLst>
-                <a:ext uri="{FF2B5EF4-FFF2-40B4-BE49-F238E27FC236}">
-                  <a16:creationId xmlns:a16="http://schemas.microsoft.com/office/drawing/2014/main" id="{78F98FFA-9240-1146-83FB-E369B9B65053}"/>
-                </a:ext>
-              </a:extLst>
-            </p:cNvPr>
-            <p:cNvCxnSpPr>
-              <a:cxnSpLocks/>
-              <a:endCxn id="72" idx="0"/>
-            </p:cNvCxnSpPr>
-            <p:nvPr/>
-          </p:nvCxnSpPr>
-          <p:spPr>
-            <a:xfrm>
-              <a:off x="6893187" y="882869"/>
-              <a:ext cx="4190084" cy="1631412"/>
-            </a:xfrm>
-            <a:prstGeom prst="line">
-              <a:avLst/>
-            </a:prstGeom>
-            <a:ln>
-              <a:solidFill>
-                <a:schemeClr val="bg2">
-                  <a:lumMod val="50000"/>
-                </a:schemeClr>
-              </a:solidFill>
-            </a:ln>
-          </p:spPr>
-          <p:style>
-            <a:lnRef idx="1">
-              <a:schemeClr val="accent1"/>
-            </a:lnRef>
-            <a:fillRef idx="0">
-              <a:schemeClr val="accent1"/>
-            </a:fillRef>
-            <a:effectRef idx="0">
-              <a:schemeClr val="accent1"/>
-            </a:effectRef>
-            <a:fontRef idx="minor">
-              <a:schemeClr val="tx1"/>
-            </a:fontRef>
-          </p:style>
-        </p:cxnSp>
-        <p:cxnSp>
-          <p:nvCxnSpPr>
-            <p:cNvPr id="14" name="Straight Connector 13">
-              <a:extLst>
-                <a:ext uri="{FF2B5EF4-FFF2-40B4-BE49-F238E27FC236}">
-                  <a16:creationId xmlns:a16="http://schemas.microsoft.com/office/drawing/2014/main" id="{9F1988FB-B2E1-0B40-9253-FA9B7842E225}"/>
-                </a:ext>
-              </a:extLst>
-            </p:cNvPr>
-            <p:cNvCxnSpPr>
-              <a:cxnSpLocks/>
-              <a:endCxn id="49" idx="0"/>
-            </p:cNvCxnSpPr>
-            <p:nvPr/>
-          </p:nvCxnSpPr>
-          <p:spPr>
-            <a:xfrm flipH="1">
-              <a:off x="2014330" y="882869"/>
-              <a:ext cx="3661256" cy="1163492"/>
-            </a:xfrm>
-            <a:prstGeom prst="line">
-              <a:avLst/>
-            </a:prstGeom>
-            <a:ln>
-              <a:solidFill>
-                <a:schemeClr val="tx1"/>
-              </a:solidFill>
-            </a:ln>
-          </p:spPr>
-          <p:style>
-            <a:lnRef idx="1">
-              <a:schemeClr val="accent1"/>
-            </a:lnRef>
-            <a:fillRef idx="0">
-              <a:schemeClr val="accent1"/>
-            </a:fillRef>
-            <a:effectRef idx="0">
-              <a:schemeClr val="accent1"/>
-            </a:effectRef>
-            <a:fontRef idx="minor">
-              <a:schemeClr val="tx1"/>
-            </a:fontRef>
-          </p:style>
-        </p:cxnSp>
-        <p:sp>
-          <p:nvSpPr>
-            <p:cNvPr id="49" name="Oval 48">
-              <a:extLst>
-                <a:ext uri="{FF2B5EF4-FFF2-40B4-BE49-F238E27FC236}">
-                  <a16:creationId xmlns:a16="http://schemas.microsoft.com/office/drawing/2014/main" id="{C335652C-21E6-0940-97D6-5747B873FEEF}"/>
-                </a:ext>
-              </a:extLst>
-            </p:cNvPr>
-            <p:cNvSpPr/>
-            <p:nvPr/>
-          </p:nvSpPr>
-          <p:spPr>
-            <a:xfrm>
-              <a:off x="29648" y="2046361"/>
-              <a:ext cx="3969364" cy="902947"/>
-            </a:xfrm>
-            <a:prstGeom prst="ellipse">
-              <a:avLst/>
-            </a:prstGeom>
-          </p:spPr>
-          <p:style>
-            <a:lnRef idx="2">
-              <a:schemeClr val="accent1">
-                <a:shade val="50000"/>
-              </a:schemeClr>
-            </a:lnRef>
-            <a:fillRef idx="1">
-              <a:schemeClr val="accent1"/>
-            </a:fillRef>
-            <a:effectRef idx="0">
-              <a:schemeClr val="accent1"/>
-            </a:effectRef>
-            <a:fontRef idx="minor">
-              <a:schemeClr val="lt1"/>
-            </a:fontRef>
-          </p:style>
-          <p:txBody>
-            <a:bodyPr rtlCol="0" anchor="ctr"/>
-            <a:lstStyle/>
-            <a:p>
-              <a:pPr algn="ctr"/>
-              <a:r>
-                <a:rPr lang="en-GB" sz="1600" dirty="0"/>
-                <a:t>[‘a’*</a:t>
-              </a:r>
-              <a:r>
-                <a:rPr lang="en-GB" sz="1600" dirty="0" err="1"/>
-                <a:t>n</a:t>
-              </a:r>
-              <a:r>
-                <a:rPr lang="en-GB" sz="1600" baseline="-25000" dirty="0" err="1"/>
-                <a:t>a</a:t>
-              </a:r>
-              <a:r>
-                <a:rPr lang="en-GB" sz="1600" dirty="0"/>
-                <a:t>* </a:t>
-              </a:r>
-              <a:r>
-                <a:rPr lang="en-GB" sz="1600" dirty="0" err="1"/>
-                <a:t>lst</a:t>
-              </a:r>
-              <a:r>
-                <a:rPr lang="en-GB" sz="1600" baseline="-25000" dirty="0" err="1"/>
-                <a:t>a</a:t>
-              </a:r>
-              <a:r>
-                <a:rPr lang="en-GB" sz="1600" dirty="0"/>
-                <a:t>; ‘b’*</a:t>
-              </a:r>
-              <a:r>
-                <a:rPr lang="en-GB" sz="1600" dirty="0" err="1"/>
-                <a:t>n</a:t>
-              </a:r>
-              <a:r>
-                <a:rPr lang="en-GB" sz="1600" baseline="-25000" dirty="0" err="1"/>
-                <a:t>b</a:t>
-              </a:r>
-              <a:r>
-                <a:rPr lang="en-GB" sz="1600" dirty="0"/>
-                <a:t>* </a:t>
-              </a:r>
-              <a:r>
-                <a:rPr lang="en-GB" sz="1600" dirty="0" err="1"/>
-                <a:t>lst</a:t>
-              </a:r>
-              <a:r>
-                <a:rPr lang="en-GB" sz="1600" baseline="-25000" dirty="0" err="1"/>
-                <a:t>b</a:t>
-              </a:r>
-              <a:r>
-                <a:rPr lang="en-GB" sz="1600" dirty="0"/>
-                <a:t>; …]</a:t>
-              </a:r>
-            </a:p>
-          </p:txBody>
-        </p:sp>
-        <p:sp>
-          <p:nvSpPr>
-            <p:cNvPr id="50" name="Oval 49">
-              <a:extLst>
-                <a:ext uri="{FF2B5EF4-FFF2-40B4-BE49-F238E27FC236}">
-                  <a16:creationId xmlns:a16="http://schemas.microsoft.com/office/drawing/2014/main" id="{5C71878F-89C2-9B4E-9A20-4675D84445BB}"/>
-                </a:ext>
-              </a:extLst>
-            </p:cNvPr>
-            <p:cNvSpPr/>
-            <p:nvPr/>
-          </p:nvSpPr>
-          <p:spPr>
-            <a:xfrm>
-              <a:off x="4120056" y="2029387"/>
-              <a:ext cx="3969364" cy="902947"/>
-            </a:xfrm>
-            <a:prstGeom prst="ellipse">
-              <a:avLst/>
-            </a:prstGeom>
-          </p:spPr>
-          <p:style>
-            <a:lnRef idx="2">
-              <a:schemeClr val="accent1">
-                <a:shade val="50000"/>
-              </a:schemeClr>
-            </a:lnRef>
-            <a:fillRef idx="1">
-              <a:schemeClr val="accent1"/>
-            </a:fillRef>
-            <a:effectRef idx="0">
-              <a:schemeClr val="accent1"/>
-            </a:effectRef>
-            <a:fontRef idx="minor">
-              <a:schemeClr val="lt1"/>
-            </a:fontRef>
-          </p:style>
-          <p:txBody>
-            <a:bodyPr rtlCol="0" anchor="ctr"/>
-            <a:lstStyle/>
-            <a:p>
-              <a:pPr algn="ctr"/>
-              <a:r>
-                <a:rPr lang="en-GB" sz="1600" dirty="0"/>
-                <a:t>[‘a’*</a:t>
-              </a:r>
-              <a:r>
-                <a:rPr lang="en-GB" sz="1600" dirty="0" err="1"/>
-                <a:t>n</a:t>
-              </a:r>
-              <a:r>
-                <a:rPr lang="en-GB" sz="1600" baseline="-25000" dirty="0" err="1"/>
-                <a:t>a</a:t>
-              </a:r>
-              <a:r>
-                <a:rPr lang="en-GB" sz="1600" dirty="0"/>
-                <a:t>* </a:t>
-              </a:r>
-              <a:r>
-                <a:rPr lang="en-GB" sz="1600" dirty="0" err="1"/>
-                <a:t>lst</a:t>
-              </a:r>
-              <a:r>
-                <a:rPr lang="en-GB" sz="1600" baseline="-25000" dirty="0" err="1"/>
-                <a:t>a</a:t>
-              </a:r>
-              <a:r>
-                <a:rPr lang="en-GB" sz="1600" dirty="0"/>
-                <a:t>; ‘b’*</a:t>
-              </a:r>
-              <a:r>
-                <a:rPr lang="en-GB" sz="1600" dirty="0" err="1"/>
-                <a:t>n</a:t>
-              </a:r>
-              <a:r>
-                <a:rPr lang="en-GB" sz="1600" baseline="-25000" dirty="0" err="1"/>
-                <a:t>b</a:t>
-              </a:r>
-              <a:r>
-                <a:rPr lang="en-GB" sz="1600" dirty="0"/>
-                <a:t>* </a:t>
-              </a:r>
-              <a:r>
-                <a:rPr lang="en-GB" sz="1600" dirty="0" err="1"/>
-                <a:t>lst</a:t>
-              </a:r>
-              <a:r>
-                <a:rPr lang="en-GB" sz="1600" baseline="-25000" dirty="0" err="1"/>
-                <a:t>b</a:t>
-              </a:r>
-              <a:r>
-                <a:rPr lang="en-GB" sz="1600" dirty="0"/>
-                <a:t>; …]</a:t>
-              </a:r>
-            </a:p>
-          </p:txBody>
-        </p:sp>
-        <p:sp>
-          <p:nvSpPr>
-            <p:cNvPr id="51" name="Oval 50">
-              <a:extLst>
-                <a:ext uri="{FF2B5EF4-FFF2-40B4-BE49-F238E27FC236}">
-                  <a16:creationId xmlns:a16="http://schemas.microsoft.com/office/drawing/2014/main" id="{86F73C3B-FCC5-FE42-8025-76F6491E0D4F}"/>
-                </a:ext>
-              </a:extLst>
-            </p:cNvPr>
-            <p:cNvSpPr/>
-            <p:nvPr/>
-          </p:nvSpPr>
-          <p:spPr>
-            <a:xfrm>
-              <a:off x="8210464" y="1973312"/>
-              <a:ext cx="3969364" cy="902947"/>
-            </a:xfrm>
-            <a:prstGeom prst="ellipse">
-              <a:avLst/>
-            </a:prstGeom>
-          </p:spPr>
-          <p:style>
-            <a:lnRef idx="2">
-              <a:schemeClr val="accent1">
-                <a:shade val="50000"/>
-              </a:schemeClr>
-            </a:lnRef>
-            <a:fillRef idx="1">
-              <a:schemeClr val="accent1"/>
-            </a:fillRef>
-            <a:effectRef idx="0">
-              <a:schemeClr val="accent1"/>
-            </a:effectRef>
-            <a:fontRef idx="minor">
-              <a:schemeClr val="lt1"/>
-            </a:fontRef>
-          </p:style>
-          <p:txBody>
-            <a:bodyPr rtlCol="0" anchor="ctr"/>
-            <a:lstStyle/>
-            <a:p>
-              <a:pPr algn="ctr"/>
-              <a:r>
-                <a:rPr lang="en-GB" sz="1600" dirty="0"/>
-                <a:t>…</a:t>
-              </a:r>
-            </a:p>
-          </p:txBody>
-        </p:sp>
-        <p:cxnSp>
-          <p:nvCxnSpPr>
-            <p:cNvPr id="54" name="Straight Connector 53">
-              <a:extLst>
-                <a:ext uri="{FF2B5EF4-FFF2-40B4-BE49-F238E27FC236}">
-                  <a16:creationId xmlns:a16="http://schemas.microsoft.com/office/drawing/2014/main" id="{2BB1B3EB-A461-5E41-9608-2E1180CF8D5E}"/>
-                </a:ext>
-              </a:extLst>
-            </p:cNvPr>
-            <p:cNvCxnSpPr>
-              <a:cxnSpLocks/>
-              <a:endCxn id="50" idx="0"/>
-            </p:cNvCxnSpPr>
-            <p:nvPr/>
-          </p:nvCxnSpPr>
-          <p:spPr>
-            <a:xfrm>
-              <a:off x="5675586" y="882869"/>
-              <a:ext cx="429152" cy="1146518"/>
-            </a:xfrm>
-            <a:prstGeom prst="line">
-              <a:avLst/>
-            </a:prstGeom>
-            <a:ln>
-              <a:solidFill>
-                <a:schemeClr val="tx1"/>
-              </a:solidFill>
-            </a:ln>
-          </p:spPr>
-          <p:style>
-            <a:lnRef idx="1">
-              <a:schemeClr val="accent1"/>
-            </a:lnRef>
-            <a:fillRef idx="0">
-              <a:schemeClr val="accent1"/>
-            </a:fillRef>
-            <a:effectRef idx="0">
-              <a:schemeClr val="accent1"/>
-            </a:effectRef>
-            <a:fontRef idx="minor">
-              <a:schemeClr val="tx1"/>
-            </a:fontRef>
-          </p:style>
-        </p:cxnSp>
-        <p:cxnSp>
-          <p:nvCxnSpPr>
-            <p:cNvPr id="57" name="Straight Connector 56">
-              <a:extLst>
-                <a:ext uri="{FF2B5EF4-FFF2-40B4-BE49-F238E27FC236}">
-                  <a16:creationId xmlns:a16="http://schemas.microsoft.com/office/drawing/2014/main" id="{01B2AA58-E1BA-B343-9CA7-88CF53B18336}"/>
-                </a:ext>
-              </a:extLst>
-            </p:cNvPr>
-            <p:cNvCxnSpPr>
-              <a:cxnSpLocks/>
-              <a:endCxn id="51" idx="0"/>
-            </p:cNvCxnSpPr>
-            <p:nvPr/>
-          </p:nvCxnSpPr>
-          <p:spPr>
-            <a:xfrm>
-              <a:off x="5675586" y="882869"/>
-              <a:ext cx="4519560" cy="1090443"/>
-            </a:xfrm>
-            <a:prstGeom prst="line">
-              <a:avLst/>
-            </a:prstGeom>
-            <a:ln>
-              <a:solidFill>
-                <a:schemeClr val="tx1"/>
-              </a:solidFill>
-            </a:ln>
-          </p:spPr>
-          <p:style>
-            <a:lnRef idx="1">
-              <a:schemeClr val="accent1"/>
-            </a:lnRef>
-            <a:fillRef idx="0">
-              <a:schemeClr val="accent1"/>
-            </a:fillRef>
-            <a:effectRef idx="0">
-              <a:schemeClr val="accent1"/>
-            </a:effectRef>
-            <a:fontRef idx="minor">
-              <a:schemeClr val="tx1"/>
-            </a:fontRef>
-          </p:style>
-        </p:cxnSp>
-        <p:sp>
-          <p:nvSpPr>
-            <p:cNvPr id="83" name="TextBox 82">
-              <a:extLst>
-                <a:ext uri="{FF2B5EF4-FFF2-40B4-BE49-F238E27FC236}">
-                  <a16:creationId xmlns:a16="http://schemas.microsoft.com/office/drawing/2014/main" id="{5C056765-027A-894D-B80E-9056750C6EF1}"/>
-                </a:ext>
-              </a:extLst>
-            </p:cNvPr>
-            <p:cNvSpPr txBox="1"/>
-            <p:nvPr/>
-          </p:nvSpPr>
-          <p:spPr>
-            <a:xfrm rot="2779482">
-              <a:off x="7217775" y="3428057"/>
-              <a:ext cx="332497" cy="384678"/>
-            </a:xfrm>
-            <a:prstGeom prst="rect">
-              <a:avLst/>
-            </a:prstGeom>
-            <a:noFill/>
-          </p:spPr>
-          <p:txBody>
-            <a:bodyPr wrap="square" rtlCol="0">
-              <a:spAutoFit/>
-            </a:bodyPr>
-            <a:lstStyle/>
-            <a:p>
-              <a:r>
-                <a:rPr lang="en-GB" sz="1600" dirty="0"/>
-                <a:t>…</a:t>
-              </a:r>
-            </a:p>
-          </p:txBody>
-        </p:sp>
-      </p:grpSp>
-    </p:spTree>
-    <p:extLst>
-      <p:ext uri="{BB962C8B-B14F-4D97-AF65-F5344CB8AC3E}">
-        <p14:creationId xmlns:p14="http://schemas.microsoft.com/office/powerpoint/2010/main" val="657071900"/>
-      </p:ext>
-    </p:extLst>
-  </p:cSld>
-  <p:clrMapOvr>
-    <a:masterClrMapping/>
-  </p:clrMapOvr>
-</p:sld>
-</file>
-
-<file path=ppt/slides/slide2.xml><?xml version="1.0" encoding="utf-8"?>
 <p:sld xmlns:a="http://schemas.openxmlformats.org/drawingml/2006/main" xmlns:r="http://schemas.openxmlformats.org/officeDocument/2006/relationships" xmlns:p="http://schemas.openxmlformats.org/presentationml/2006/main">
   <p:cSld>
     <p:spTree>
